--- a/slides/1 - Intro to R Statistical Software.pptx
+++ b/slides/1 - Intro to R Statistical Software.pptx
@@ -745,7 +745,7 @@
           <a:effectLst/>
           <a:extLst>
             <a:ext uri="{C572A759-6A51-4108-AA02-DFA0A04FC94B}">
-              <ma14:wrappingTextBoxFlag xmlns="" xmlns:ma14="http://schemas.microsoft.com/office/mac/drawingml/2011/main" val="1"/>
+              <ma14:wrappingTextBoxFlag xmlns:ma14="http://schemas.microsoft.com/office/mac/drawingml/2011/main" xmlns="" val="1"/>
             </a:ext>
           </a:extLst>
         </p:spPr>
@@ -967,7 +967,7 @@
           </a:ln>
           <a:extLst>
             <a:ext uri="{C572A759-6A51-4108-AA02-DFA0A04FC94B}">
-              <ma14:wrappingTextBoxFlag xmlns="" xmlns:ma14="http://schemas.microsoft.com/office/mac/drawingml/2011/main" val="1"/>
+              <ma14:wrappingTextBoxFlag xmlns:ma14="http://schemas.microsoft.com/office/mac/drawingml/2011/main" xmlns="" val="1"/>
             </a:ext>
           </a:extLst>
         </p:spPr>
@@ -1512,7 +1512,7 @@
           <a:effectLst/>
           <a:extLst>
             <a:ext uri="{C572A759-6A51-4108-AA02-DFA0A04FC94B}">
-              <ma14:wrappingTextBoxFlag xmlns="" xmlns:ma14="http://schemas.microsoft.com/office/mac/drawingml/2011/main" val="1"/>
+              <ma14:wrappingTextBoxFlag xmlns:ma14="http://schemas.microsoft.com/office/mac/drawingml/2011/main" xmlns="" val="1"/>
             </a:ext>
           </a:extLst>
         </p:spPr>
@@ -1734,7 +1734,7 @@
           </a:ln>
           <a:extLst>
             <a:ext uri="{C572A759-6A51-4108-AA02-DFA0A04FC94B}">
-              <ma14:wrappingTextBoxFlag xmlns="" xmlns:ma14="http://schemas.microsoft.com/office/mac/drawingml/2011/main" val="1"/>
+              <ma14:wrappingTextBoxFlag xmlns:ma14="http://schemas.microsoft.com/office/mac/drawingml/2011/main" xmlns="" val="1"/>
             </a:ext>
           </a:extLst>
         </p:spPr>
@@ -2327,7 +2327,7 @@
           <a:effectLst/>
           <a:extLst>
             <a:ext uri="{C572A759-6A51-4108-AA02-DFA0A04FC94B}">
-              <ma14:wrappingTextBoxFlag xmlns="" xmlns:ma14="http://schemas.microsoft.com/office/mac/drawingml/2011/main" val="1"/>
+              <ma14:wrappingTextBoxFlag xmlns:ma14="http://schemas.microsoft.com/office/mac/drawingml/2011/main" xmlns="" val="1"/>
             </a:ext>
           </a:extLst>
         </p:spPr>
@@ -2549,7 +2549,7 @@
           </a:ln>
           <a:extLst>
             <a:ext uri="{C572A759-6A51-4108-AA02-DFA0A04FC94B}">
-              <ma14:wrappingTextBoxFlag xmlns="" xmlns:ma14="http://schemas.microsoft.com/office/mac/drawingml/2011/main" val="1"/>
+              <ma14:wrappingTextBoxFlag xmlns:ma14="http://schemas.microsoft.com/office/mac/drawingml/2011/main" xmlns="" val="1"/>
             </a:ext>
           </a:extLst>
         </p:spPr>
@@ -4026,7 +4026,7 @@
           <a:effectLst/>
           <a:extLst>
             <a:ext uri="{C572A759-6A51-4108-AA02-DFA0A04FC94B}">
-              <ma14:wrappingTextBoxFlag xmlns="" xmlns:ma14="http://schemas.microsoft.com/office/mac/drawingml/2011/main" val="1"/>
+              <ma14:wrappingTextBoxFlag xmlns:ma14="http://schemas.microsoft.com/office/mac/drawingml/2011/main" xmlns="" val="1"/>
             </a:ext>
           </a:extLst>
         </p:spPr>
@@ -4277,7 +4277,7 @@
           </a:ln>
           <a:extLst>
             <a:ext uri="{C572A759-6A51-4108-AA02-DFA0A04FC94B}">
-              <ma14:wrappingTextBoxFlag xmlns="" xmlns:ma14="http://schemas.microsoft.com/office/mac/drawingml/2011/main" val="1"/>
+              <ma14:wrappingTextBoxFlag xmlns:ma14="http://schemas.microsoft.com/office/mac/drawingml/2011/main" xmlns="" val="1"/>
             </a:ext>
           </a:extLst>
         </p:spPr>
@@ -4739,7 +4739,7 @@
           <a:effectLst/>
           <a:extLst>
             <a:ext uri="{C572A759-6A51-4108-AA02-DFA0A04FC94B}">
-              <ma14:wrappingTextBoxFlag xmlns="" xmlns:ma14="http://schemas.microsoft.com/office/mac/drawingml/2011/main" val="1"/>
+              <ma14:wrappingTextBoxFlag xmlns:ma14="http://schemas.microsoft.com/office/mac/drawingml/2011/main" xmlns="" val="1"/>
             </a:ext>
           </a:extLst>
         </p:spPr>
@@ -4961,7 +4961,7 @@
           </a:ln>
           <a:extLst>
             <a:ext uri="{C572A759-6A51-4108-AA02-DFA0A04FC94B}">
-              <ma14:wrappingTextBoxFlag xmlns="" xmlns:ma14="http://schemas.microsoft.com/office/mac/drawingml/2011/main" val="1"/>
+              <ma14:wrappingTextBoxFlag xmlns:ma14="http://schemas.microsoft.com/office/mac/drawingml/2011/main" xmlns="" val="1"/>
             </a:ext>
           </a:extLst>
         </p:spPr>
@@ -5605,7 +5605,7 @@
           <a:effectLst/>
           <a:extLst>
             <a:ext uri="{C572A759-6A51-4108-AA02-DFA0A04FC94B}">
-              <ma14:wrappingTextBoxFlag xmlns="" xmlns:ma14="http://schemas.microsoft.com/office/mac/drawingml/2011/main" val="1"/>
+              <ma14:wrappingTextBoxFlag xmlns:ma14="http://schemas.microsoft.com/office/mac/drawingml/2011/main" xmlns="" val="1"/>
             </a:ext>
           </a:extLst>
         </p:spPr>
@@ -5827,7 +5827,7 @@
           </a:ln>
           <a:extLst>
             <a:ext uri="{C572A759-6A51-4108-AA02-DFA0A04FC94B}">
-              <ma14:wrappingTextBoxFlag xmlns="" xmlns:ma14="http://schemas.microsoft.com/office/mac/drawingml/2011/main" val="1"/>
+              <ma14:wrappingTextBoxFlag xmlns:ma14="http://schemas.microsoft.com/office/mac/drawingml/2011/main" xmlns="" val="1"/>
             </a:ext>
           </a:extLst>
         </p:spPr>
@@ -6400,7 +6400,7 @@
           <a:effectLst/>
           <a:extLst>
             <a:ext uri="{C572A759-6A51-4108-AA02-DFA0A04FC94B}">
-              <ma14:wrappingTextBoxFlag xmlns="" xmlns:ma14="http://schemas.microsoft.com/office/mac/drawingml/2011/main" val="1"/>
+              <ma14:wrappingTextBoxFlag xmlns:ma14="http://schemas.microsoft.com/office/mac/drawingml/2011/main" xmlns="" val="1"/>
             </a:ext>
           </a:extLst>
         </p:spPr>
@@ -6651,7 +6651,7 @@
           </a:ln>
           <a:extLst>
             <a:ext uri="{C572A759-6A51-4108-AA02-DFA0A04FC94B}">
-              <ma14:wrappingTextBoxFlag xmlns="" xmlns:ma14="http://schemas.microsoft.com/office/mac/drawingml/2011/main" val="1"/>
+              <ma14:wrappingTextBoxFlag xmlns:ma14="http://schemas.microsoft.com/office/mac/drawingml/2011/main" xmlns="" val="1"/>
             </a:ext>
           </a:extLst>
         </p:spPr>
@@ -7067,7 +7067,7 @@
           <a:effectLst/>
           <a:extLst>
             <a:ext uri="{C572A759-6A51-4108-AA02-DFA0A04FC94B}">
-              <ma14:wrappingTextBoxFlag xmlns="" xmlns:ma14="http://schemas.microsoft.com/office/mac/drawingml/2011/main" val="1"/>
+              <ma14:wrappingTextBoxFlag xmlns:ma14="http://schemas.microsoft.com/office/mac/drawingml/2011/main" xmlns="" val="1"/>
             </a:ext>
           </a:extLst>
         </p:spPr>
@@ -7318,7 +7318,7 @@
           </a:ln>
           <a:extLst>
             <a:ext uri="{C572A759-6A51-4108-AA02-DFA0A04FC94B}">
-              <ma14:wrappingTextBoxFlag xmlns="" xmlns:ma14="http://schemas.microsoft.com/office/mac/drawingml/2011/main" val="1"/>
+              <ma14:wrappingTextBoxFlag xmlns:ma14="http://schemas.microsoft.com/office/mac/drawingml/2011/main" xmlns="" val="1"/>
             </a:ext>
           </a:extLst>
         </p:spPr>
@@ -7978,7 +7978,7 @@
           <a:effectLst/>
           <a:extLst>
             <a:ext uri="{C572A759-6A51-4108-AA02-DFA0A04FC94B}">
-              <ma14:wrappingTextBoxFlag xmlns="" xmlns:ma14="http://schemas.microsoft.com/office/mac/drawingml/2011/main" val="1"/>
+              <ma14:wrappingTextBoxFlag xmlns:ma14="http://schemas.microsoft.com/office/mac/drawingml/2011/main" xmlns="" val="1"/>
             </a:ext>
           </a:extLst>
         </p:spPr>
@@ -8200,7 +8200,7 @@
           </a:ln>
           <a:extLst>
             <a:ext uri="{C572A759-6A51-4108-AA02-DFA0A04FC94B}">
-              <ma14:wrappingTextBoxFlag xmlns="" xmlns:ma14="http://schemas.microsoft.com/office/mac/drawingml/2011/main" val="1"/>
+              <ma14:wrappingTextBoxFlag xmlns:ma14="http://schemas.microsoft.com/office/mac/drawingml/2011/main" xmlns="" val="1"/>
             </a:ext>
           </a:extLst>
         </p:spPr>
@@ -8735,7 +8735,7 @@
           <a:effectLst/>
           <a:extLst>
             <a:ext uri="{C572A759-6A51-4108-AA02-DFA0A04FC94B}">
-              <ma14:wrappingTextBoxFlag xmlns="" xmlns:ma14="http://schemas.microsoft.com/office/mac/drawingml/2011/main" val="1"/>
+              <ma14:wrappingTextBoxFlag xmlns:ma14="http://schemas.microsoft.com/office/mac/drawingml/2011/main" xmlns="" val="1"/>
             </a:ext>
           </a:extLst>
         </p:spPr>
@@ -8957,7 +8957,7 @@
           </a:ln>
           <a:extLst>
             <a:ext uri="{C572A759-6A51-4108-AA02-DFA0A04FC94B}">
-              <ma14:wrappingTextBoxFlag xmlns="" xmlns:ma14="http://schemas.microsoft.com/office/mac/drawingml/2011/main" val="1"/>
+              <ma14:wrappingTextBoxFlag xmlns:ma14="http://schemas.microsoft.com/office/mac/drawingml/2011/main" xmlns="" val="1"/>
             </a:ext>
           </a:extLst>
         </p:spPr>
@@ -9578,7 +9578,7 @@
           <a:effectLst/>
           <a:extLst>
             <a:ext uri="{C572A759-6A51-4108-AA02-DFA0A04FC94B}">
-              <ma14:wrappingTextBoxFlag xmlns="" xmlns:ma14="http://schemas.microsoft.com/office/mac/drawingml/2011/main" val="1"/>
+              <ma14:wrappingTextBoxFlag xmlns:ma14="http://schemas.microsoft.com/office/mac/drawingml/2011/main" xmlns="" val="1"/>
             </a:ext>
           </a:extLst>
         </p:spPr>
@@ -9800,7 +9800,7 @@
           </a:ln>
           <a:extLst>
             <a:ext uri="{C572A759-6A51-4108-AA02-DFA0A04FC94B}">
-              <ma14:wrappingTextBoxFlag xmlns="" xmlns:ma14="http://schemas.microsoft.com/office/mac/drawingml/2011/main" val="1"/>
+              <ma14:wrappingTextBoxFlag xmlns:ma14="http://schemas.microsoft.com/office/mac/drawingml/2011/main" xmlns="" val="1"/>
             </a:ext>
           </a:extLst>
         </p:spPr>
@@ -10907,7 +10907,7 @@
           <a:effectLst/>
           <a:extLst>
             <a:ext uri="{C572A759-6A51-4108-AA02-DFA0A04FC94B}">
-              <ma14:wrappingTextBoxFlag xmlns="" xmlns:ma14="http://schemas.microsoft.com/office/mac/drawingml/2011/main" val="1"/>
+              <ma14:wrappingTextBoxFlag xmlns:ma14="http://schemas.microsoft.com/office/mac/drawingml/2011/main" xmlns="" val="1"/>
             </a:ext>
           </a:extLst>
         </p:spPr>
@@ -11158,7 +11158,7 @@
           </a:ln>
           <a:extLst>
             <a:ext uri="{C572A759-6A51-4108-AA02-DFA0A04FC94B}">
-              <ma14:wrappingTextBoxFlag xmlns="" xmlns:ma14="http://schemas.microsoft.com/office/mac/drawingml/2011/main" val="1"/>
+              <ma14:wrappingTextBoxFlag xmlns:ma14="http://schemas.microsoft.com/office/mac/drawingml/2011/main" xmlns="" val="1"/>
             </a:ext>
           </a:extLst>
         </p:spPr>
@@ -11881,7 +11881,7 @@
           <a:effectLst/>
           <a:extLst>
             <a:ext uri="{C572A759-6A51-4108-AA02-DFA0A04FC94B}">
-              <ma14:wrappingTextBoxFlag xmlns="" xmlns:ma14="http://schemas.microsoft.com/office/mac/drawingml/2011/main" val="1"/>
+              <ma14:wrappingTextBoxFlag xmlns:ma14="http://schemas.microsoft.com/office/mac/drawingml/2011/main" xmlns="" val="1"/>
             </a:ext>
           </a:extLst>
         </p:spPr>
@@ -12103,7 +12103,7 @@
           </a:ln>
           <a:extLst>
             <a:ext uri="{C572A759-6A51-4108-AA02-DFA0A04FC94B}">
-              <ma14:wrappingTextBoxFlag xmlns="" xmlns:ma14="http://schemas.microsoft.com/office/mac/drawingml/2011/main" val="1"/>
+              <ma14:wrappingTextBoxFlag xmlns:ma14="http://schemas.microsoft.com/office/mac/drawingml/2011/main" xmlns="" val="1"/>
             </a:ext>
           </a:extLst>
         </p:spPr>
@@ -12679,7 +12679,7 @@
           <a:effectLst/>
           <a:extLst>
             <a:ext uri="{C572A759-6A51-4108-AA02-DFA0A04FC94B}">
-              <ma14:wrappingTextBoxFlag xmlns="" xmlns:ma14="http://schemas.microsoft.com/office/mac/drawingml/2011/main" val="1"/>
+              <ma14:wrappingTextBoxFlag xmlns:ma14="http://schemas.microsoft.com/office/mac/drawingml/2011/main" xmlns="" val="1"/>
             </a:ext>
           </a:extLst>
         </p:spPr>
@@ -12901,7 +12901,7 @@
           </a:ln>
           <a:extLst>
             <a:ext uri="{C572A759-6A51-4108-AA02-DFA0A04FC94B}">
-              <ma14:wrappingTextBoxFlag xmlns="" xmlns:ma14="http://schemas.microsoft.com/office/mac/drawingml/2011/main" val="1"/>
+              <ma14:wrappingTextBoxFlag xmlns:ma14="http://schemas.microsoft.com/office/mac/drawingml/2011/main" xmlns="" val="1"/>
             </a:ext>
           </a:extLst>
         </p:spPr>
@@ -13474,7 +13474,7 @@
           <a:effectLst/>
           <a:extLst>
             <a:ext uri="{C572A759-6A51-4108-AA02-DFA0A04FC94B}">
-              <ma14:wrappingTextBoxFlag xmlns="" xmlns:ma14="http://schemas.microsoft.com/office/mac/drawingml/2011/main" val="1"/>
+              <ma14:wrappingTextBoxFlag xmlns:ma14="http://schemas.microsoft.com/office/mac/drawingml/2011/main" xmlns="" val="1"/>
             </a:ext>
           </a:extLst>
         </p:spPr>
@@ -13725,7 +13725,7 @@
           </a:ln>
           <a:extLst>
             <a:ext uri="{C572A759-6A51-4108-AA02-DFA0A04FC94B}">
-              <ma14:wrappingTextBoxFlag xmlns="" xmlns:ma14="http://schemas.microsoft.com/office/mac/drawingml/2011/main" val="1"/>
+              <ma14:wrappingTextBoxFlag xmlns:ma14="http://schemas.microsoft.com/office/mac/drawingml/2011/main" xmlns="" val="1"/>
             </a:ext>
           </a:extLst>
         </p:spPr>
@@ -14141,7 +14141,7 @@
           <a:effectLst/>
           <a:extLst>
             <a:ext uri="{C572A759-6A51-4108-AA02-DFA0A04FC94B}">
-              <ma14:wrappingTextBoxFlag xmlns="" xmlns:ma14="http://schemas.microsoft.com/office/mac/drawingml/2011/main" val="1"/>
+              <ma14:wrappingTextBoxFlag xmlns:ma14="http://schemas.microsoft.com/office/mac/drawingml/2011/main" xmlns="" val="1"/>
             </a:ext>
           </a:extLst>
         </p:spPr>
@@ -14392,7 +14392,7 @@
           </a:ln>
           <a:extLst>
             <a:ext uri="{C572A759-6A51-4108-AA02-DFA0A04FC94B}">
-              <ma14:wrappingTextBoxFlag xmlns="" xmlns:ma14="http://schemas.microsoft.com/office/mac/drawingml/2011/main" val="1"/>
+              <ma14:wrappingTextBoxFlag xmlns:ma14="http://schemas.microsoft.com/office/mac/drawingml/2011/main" xmlns="" val="1"/>
             </a:ext>
           </a:extLst>
         </p:spPr>
@@ -15052,7 +15052,7 @@
           <a:effectLst/>
           <a:extLst>
             <a:ext uri="{C572A759-6A51-4108-AA02-DFA0A04FC94B}">
-              <ma14:wrappingTextBoxFlag xmlns="" xmlns:ma14="http://schemas.microsoft.com/office/mac/drawingml/2011/main" val="1"/>
+              <ma14:wrappingTextBoxFlag xmlns:ma14="http://schemas.microsoft.com/office/mac/drawingml/2011/main" xmlns="" val="1"/>
             </a:ext>
           </a:extLst>
         </p:spPr>
@@ -15274,7 +15274,7 @@
           </a:ln>
           <a:extLst>
             <a:ext uri="{C572A759-6A51-4108-AA02-DFA0A04FC94B}">
-              <ma14:wrappingTextBoxFlag xmlns="" xmlns:ma14="http://schemas.microsoft.com/office/mac/drawingml/2011/main" val="1"/>
+              <ma14:wrappingTextBoxFlag xmlns:ma14="http://schemas.microsoft.com/office/mac/drawingml/2011/main" xmlns="" val="1"/>
             </a:ext>
           </a:extLst>
         </p:spPr>
@@ -15809,7 +15809,7 @@
           <a:effectLst/>
           <a:extLst>
             <a:ext uri="{C572A759-6A51-4108-AA02-DFA0A04FC94B}">
-              <ma14:wrappingTextBoxFlag xmlns="" xmlns:ma14="http://schemas.microsoft.com/office/mac/drawingml/2011/main" val="1"/>
+              <ma14:wrappingTextBoxFlag xmlns:ma14="http://schemas.microsoft.com/office/mac/drawingml/2011/main" xmlns="" val="1"/>
             </a:ext>
           </a:extLst>
         </p:spPr>
@@ -16031,7 +16031,7 @@
           </a:ln>
           <a:extLst>
             <a:ext uri="{C572A759-6A51-4108-AA02-DFA0A04FC94B}">
-              <ma14:wrappingTextBoxFlag xmlns="" xmlns:ma14="http://schemas.microsoft.com/office/mac/drawingml/2011/main" val="1"/>
+              <ma14:wrappingTextBoxFlag xmlns:ma14="http://schemas.microsoft.com/office/mac/drawingml/2011/main" xmlns="" val="1"/>
             </a:ext>
           </a:extLst>
         </p:spPr>
@@ -16652,7 +16652,7 @@
           <a:effectLst/>
           <a:extLst>
             <a:ext uri="{C572A759-6A51-4108-AA02-DFA0A04FC94B}">
-              <ma14:wrappingTextBoxFlag xmlns="" xmlns:ma14="http://schemas.microsoft.com/office/mac/drawingml/2011/main" val="1"/>
+              <ma14:wrappingTextBoxFlag xmlns:ma14="http://schemas.microsoft.com/office/mac/drawingml/2011/main" xmlns="" val="1"/>
             </a:ext>
           </a:extLst>
         </p:spPr>
@@ -16874,7 +16874,7 @@
           </a:ln>
           <a:extLst>
             <a:ext uri="{C572A759-6A51-4108-AA02-DFA0A04FC94B}">
-              <ma14:wrappingTextBoxFlag xmlns="" xmlns:ma14="http://schemas.microsoft.com/office/mac/drawingml/2011/main" val="1"/>
+              <ma14:wrappingTextBoxFlag xmlns:ma14="http://schemas.microsoft.com/office/mac/drawingml/2011/main" xmlns="" val="1"/>
             </a:ext>
           </a:extLst>
         </p:spPr>
@@ -17668,7 +17668,7 @@
           <a:effectLst/>
           <a:extLst>
             <a:ext uri="{C572A759-6A51-4108-AA02-DFA0A04FC94B}">
-              <ma14:wrappingTextBoxFlag xmlns="" xmlns:ma14="http://schemas.microsoft.com/office/mac/drawingml/2011/main" val="1"/>
+              <ma14:wrappingTextBoxFlag xmlns:ma14="http://schemas.microsoft.com/office/mac/drawingml/2011/main" xmlns="" val="1"/>
             </a:ext>
           </a:extLst>
         </p:spPr>
@@ -17919,7 +17919,7 @@
           </a:ln>
           <a:extLst>
             <a:ext uri="{C572A759-6A51-4108-AA02-DFA0A04FC94B}">
-              <ma14:wrappingTextBoxFlag xmlns="" xmlns:ma14="http://schemas.microsoft.com/office/mac/drawingml/2011/main" val="1"/>
+              <ma14:wrappingTextBoxFlag xmlns:ma14="http://schemas.microsoft.com/office/mac/drawingml/2011/main" xmlns="" val="1"/>
             </a:ext>
           </a:extLst>
         </p:spPr>
@@ -18373,7 +18373,7 @@
           <a:effectLst/>
           <a:extLst>
             <a:ext uri="{C572A759-6A51-4108-AA02-DFA0A04FC94B}">
-              <ma14:wrappingTextBoxFlag xmlns="" xmlns:ma14="http://schemas.microsoft.com/office/mac/drawingml/2011/main" val="1"/>
+              <ma14:wrappingTextBoxFlag xmlns:ma14="http://schemas.microsoft.com/office/mac/drawingml/2011/main" xmlns="" val="1"/>
             </a:ext>
           </a:extLst>
         </p:spPr>
@@ -18595,7 +18595,7 @@
           </a:ln>
           <a:extLst>
             <a:ext uri="{C572A759-6A51-4108-AA02-DFA0A04FC94B}">
-              <ma14:wrappingTextBoxFlag xmlns="" xmlns:ma14="http://schemas.microsoft.com/office/mac/drawingml/2011/main" val="1"/>
+              <ma14:wrappingTextBoxFlag xmlns:ma14="http://schemas.microsoft.com/office/mac/drawingml/2011/main" xmlns="" val="1"/>
             </a:ext>
           </a:extLst>
         </p:spPr>
@@ -19143,7 +19143,7 @@
           <a:effectLst/>
           <a:extLst>
             <a:ext uri="{C572A759-6A51-4108-AA02-DFA0A04FC94B}">
-              <ma14:wrappingTextBoxFlag xmlns="" xmlns:ma14="http://schemas.microsoft.com/office/mac/drawingml/2011/main" val="1"/>
+              <ma14:wrappingTextBoxFlag xmlns:ma14="http://schemas.microsoft.com/office/mac/drawingml/2011/main" xmlns="" val="1"/>
             </a:ext>
           </a:extLst>
         </p:spPr>
@@ -19365,7 +19365,7 @@
           </a:ln>
           <a:extLst>
             <a:ext uri="{C572A759-6A51-4108-AA02-DFA0A04FC94B}">
-              <ma14:wrappingTextBoxFlag xmlns="" xmlns:ma14="http://schemas.microsoft.com/office/mac/drawingml/2011/main" val="1"/>
+              <ma14:wrappingTextBoxFlag xmlns:ma14="http://schemas.microsoft.com/office/mac/drawingml/2011/main" xmlns="" val="1"/>
             </a:ext>
           </a:extLst>
         </p:spPr>
@@ -19930,7 +19930,7 @@
           <a:effectLst/>
           <a:extLst>
             <a:ext uri="{C572A759-6A51-4108-AA02-DFA0A04FC94B}">
-              <ma14:wrappingTextBoxFlag xmlns="" xmlns:ma14="http://schemas.microsoft.com/office/mac/drawingml/2011/main" val="1"/>
+              <ma14:wrappingTextBoxFlag xmlns:ma14="http://schemas.microsoft.com/office/mac/drawingml/2011/main" xmlns="" val="1"/>
             </a:ext>
           </a:extLst>
         </p:spPr>
@@ -20181,7 +20181,7 @@
           </a:ln>
           <a:extLst>
             <a:ext uri="{C572A759-6A51-4108-AA02-DFA0A04FC94B}">
-              <ma14:wrappingTextBoxFlag xmlns="" xmlns:ma14="http://schemas.microsoft.com/office/mac/drawingml/2011/main" val="1"/>
+              <ma14:wrappingTextBoxFlag xmlns:ma14="http://schemas.microsoft.com/office/mac/drawingml/2011/main" xmlns="" val="1"/>
             </a:ext>
           </a:extLst>
         </p:spPr>
@@ -20593,7 +20593,7 @@
           <a:effectLst/>
           <a:extLst>
             <a:ext uri="{C572A759-6A51-4108-AA02-DFA0A04FC94B}">
-              <ma14:wrappingTextBoxFlag xmlns="" xmlns:ma14="http://schemas.microsoft.com/office/mac/drawingml/2011/main" val="1"/>
+              <ma14:wrappingTextBoxFlag xmlns:ma14="http://schemas.microsoft.com/office/mac/drawingml/2011/main" xmlns="" val="1"/>
             </a:ext>
           </a:extLst>
         </p:spPr>
@@ -20844,7 +20844,7 @@
           </a:ln>
           <a:extLst>
             <a:ext uri="{C572A759-6A51-4108-AA02-DFA0A04FC94B}">
-              <ma14:wrappingTextBoxFlag xmlns="" xmlns:ma14="http://schemas.microsoft.com/office/mac/drawingml/2011/main" val="1"/>
+              <ma14:wrappingTextBoxFlag xmlns:ma14="http://schemas.microsoft.com/office/mac/drawingml/2011/main" xmlns="" val="1"/>
             </a:ext>
           </a:extLst>
         </p:spPr>
